--- a/acm入门之二叉树&&字典树.pptx
+++ b/acm入门之二叉树&&字典树.pptx
@@ -203,7 +203,7 @@
           <a:p>
             <a:fld id="{AC9E3851-FE80-4663-968C-17564B4283FC}" type="datetimeFigureOut">
               <a:rPr lang="zh-CN" altLang="en-US" smtClean="0"/>
-              <a:t>2018/3/14</a:t>
+              <a:t>2018/3/22</a:t>
             </a:fld>
             <a:endParaRPr lang="zh-CN" altLang="en-US"/>
           </a:p>
@@ -3229,7 +3229,7 @@
             <a:fld id="{0A98AF03-7270-45C2-A683-C5E353EF01A5}" type="datetime4">
               <a:rPr lang="en-US" smtClean="0"/>
               <a:pPr/>
-              <a:t>March 14, 2018</a:t>
+              <a:t>March 22, 2018</a:t>
             </a:fld>
             <a:endParaRPr lang="en-US" dirty="0"/>
           </a:p>
@@ -3516,7 +3516,7 @@
             <a:fld id="{A2FB5AFD-D735-4504-A039-ADEBB6448D55}" type="datetime4">
               <a:rPr lang="en-US" smtClean="0"/>
               <a:pPr/>
-              <a:t>March 14, 2018</a:t>
+              <a:t>March 22, 2018</a:t>
             </a:fld>
             <a:endParaRPr lang="en-US" dirty="0"/>
           </a:p>
@@ -3693,7 +3693,7 @@
             <a:fld id="{AB5C8118-FB93-4E87-B380-0175F2FE2167}" type="datetime4">
               <a:rPr lang="en-US" smtClean="0"/>
               <a:pPr/>
-              <a:t>March 14, 2018</a:t>
+              <a:t>March 22, 2018</a:t>
             </a:fld>
             <a:endParaRPr lang="en-US" dirty="0"/>
           </a:p>
@@ -3860,7 +3860,7 @@
             <a:fld id="{05A93482-8E69-40F7-BCAD-5662A6CADB27}" type="datetime4">
               <a:rPr lang="en-US" smtClean="0"/>
               <a:pPr/>
-              <a:t>March 14, 2018</a:t>
+              <a:t>March 22, 2018</a:t>
             </a:fld>
             <a:endParaRPr lang="en-US" dirty="0"/>
           </a:p>
@@ -4103,7 +4103,7 @@
             <a:fld id="{FBB7EAE1-CAAC-4AEF-919E-158692B1E55E}" type="datetime4">
               <a:rPr lang="en-US" smtClean="0"/>
               <a:pPr/>
-              <a:t>March 14, 2018</a:t>
+              <a:t>March 22, 2018</a:t>
             </a:fld>
             <a:endParaRPr lang="en-US" dirty="0"/>
           </a:p>
@@ -4218,7 +4218,7 @@
             <a:fld id="{9525A706-D8F2-4D1A-855A-CADC92600C26}" type="datetime4">
               <a:rPr lang="en-US" smtClean="0"/>
               <a:pPr/>
-              <a:t>March 14, 2018</a:t>
+              <a:t>March 22, 2018</a:t>
             </a:fld>
             <a:endParaRPr lang="en-US" dirty="0"/>
           </a:p>
@@ -4759,7 +4759,7 @@
             <a:fld id="{99B4F123-1704-49AC-9D15-C4B1462B8014}" type="datetime4">
               <a:rPr lang="en-US" smtClean="0"/>
               <a:pPr/>
-              <a:t>March 14, 2018</a:t>
+              <a:t>March 22, 2018</a:t>
             </a:fld>
             <a:endParaRPr lang="en-US" dirty="0"/>
           </a:p>
@@ -4874,7 +4874,7 @@
             <a:fld id="{E3127EC2-47FB-48A1-8644-C8A81DDAA119}" type="datetime4">
               <a:rPr lang="en-US" smtClean="0"/>
               <a:pPr/>
-              <a:t>March 14, 2018</a:t>
+              <a:t>March 22, 2018</a:t>
             </a:fld>
             <a:endParaRPr lang="en-US" dirty="0"/>
           </a:p>
@@ -4966,7 +4966,7 @@
             <a:fld id="{AE3EC3ED-7435-49F9-84C8-03CCA2F8DEDB}" type="datetime4">
               <a:rPr lang="en-US" smtClean="0"/>
               <a:pPr/>
-              <a:t>March 14, 2018</a:t>
+              <a:t>March 22, 2018</a:t>
             </a:fld>
             <a:endParaRPr lang="en-US" dirty="0"/>
           </a:p>
@@ -7619,7 +7619,7 @@
             <a:fld id="{3FC49BF1-FCD3-4395-8FF6-0047AF66228E}" type="datetime4">
               <a:rPr lang="en-US" smtClean="0"/>
               <a:pPr/>
-              <a:t>March 14, 2018</a:t>
+              <a:t>March 22, 2018</a:t>
             </a:fld>
             <a:endParaRPr lang="en-US" dirty="0"/>
           </a:p>
@@ -10833,7 +10833,7 @@
             <a:fld id="{CA861222-2C8B-4501-BE87-6797EC025925}" type="datetime4">
               <a:rPr lang="en-US" smtClean="0"/>
               <a:pPr/>
-              <a:t>March 14, 2018</a:t>
+              <a:t>March 22, 2018</a:t>
             </a:fld>
             <a:endParaRPr lang="en-US" dirty="0"/>
           </a:p>
@@ -13657,7 +13657,7 @@
             <a:fld id="{16C01193-8287-4834-A286-6B880643E934}" type="datetime4">
               <a:rPr lang="en-US" smtClean="0"/>
               <a:pPr/>
-              <a:t>March 14, 2018</a:t>
+              <a:t>March 22, 2018</a:t>
             </a:fld>
             <a:endParaRPr lang="en-US" dirty="0"/>
           </a:p>
@@ -14140,7 +14140,19 @@
             </a:r>
             <a:r>
               <a:rPr lang="zh-CN" altLang="en-US" dirty="0" smtClean="0"/>
-              <a:t>入门之二叉树</a:t>
+              <a:t>入门之</a:t>
+            </a:r>
+            <a:r>
+              <a:rPr lang="zh-CN" altLang="en-US" dirty="0" smtClean="0"/>
+              <a:t>二叉树</a:t>
+            </a:r>
+            <a:r>
+              <a:rPr lang="en-US" altLang="zh-CN" dirty="0" smtClean="0"/>
+              <a:t>&amp;&amp;</a:t>
+            </a:r>
+            <a:r>
+              <a:rPr lang="zh-CN" altLang="en-US" smtClean="0"/>
+              <a:t>字典树</a:t>
             </a:r>
             <a:endParaRPr lang="zh-CN" altLang="en-US" dirty="0"/>
           </a:p>
@@ -14213,7 +14225,7 @@
             <a:fld id="{0A98AF03-7270-45C2-A683-C5E353EF01A5}" type="datetime4">
               <a:rPr lang="en-US" smtClean="0"/>
               <a:pPr/>
-              <a:t>March 14, 2018</a:t>
+              <a:t>March 22, 2018</a:t>
             </a:fld>
             <a:endParaRPr lang="en-US"/>
           </a:p>
@@ -14348,7 +14360,7 @@
             <a:fld id="{05A93482-8E69-40F7-BCAD-5662A6CADB27}" type="datetime4">
               <a:rPr lang="en-US" smtClean="0"/>
               <a:pPr/>
-              <a:t>March 14, 2018</a:t>
+              <a:t>March 22, 2018</a:t>
             </a:fld>
             <a:endParaRPr lang="en-US" dirty="0"/>
           </a:p>
@@ -16158,7 +16170,7 @@
             <a:fld id="{05A93482-8E69-40F7-BCAD-5662A6CADB27}" type="datetime4">
               <a:rPr lang="en-US" smtClean="0"/>
               <a:pPr/>
-              <a:t>March 14, 2018</a:t>
+              <a:t>March 22, 2018</a:t>
             </a:fld>
             <a:endParaRPr lang="en-US" dirty="0"/>
           </a:p>
@@ -16296,7 +16308,7 @@
             <a:fld id="{05A93482-8E69-40F7-BCAD-5662A6CADB27}" type="datetime4">
               <a:rPr lang="en-US" smtClean="0"/>
               <a:pPr/>
-              <a:t>March 14, 2018</a:t>
+              <a:t>March 22, 2018</a:t>
             </a:fld>
             <a:endParaRPr lang="en-US" dirty="0"/>
           </a:p>
@@ -16453,7 +16465,7 @@
             <a:fld id="{05A93482-8E69-40F7-BCAD-5662A6CADB27}" type="datetime4">
               <a:rPr lang="en-US" smtClean="0"/>
               <a:pPr/>
-              <a:t>March 14, 2018</a:t>
+              <a:t>March 22, 2018</a:t>
             </a:fld>
             <a:endParaRPr lang="en-US" dirty="0"/>
           </a:p>
@@ -16660,7 +16672,7 @@
             <a:fld id="{05A93482-8E69-40F7-BCAD-5662A6CADB27}" type="datetime4">
               <a:rPr lang="en-US" smtClean="0"/>
               <a:pPr/>
-              <a:t>March 14, 2018</a:t>
+              <a:t>March 22, 2018</a:t>
             </a:fld>
             <a:endParaRPr lang="en-US" dirty="0"/>
           </a:p>
@@ -17205,7 +17217,7 @@
             <a:fld id="{05A93482-8E69-40F7-BCAD-5662A6CADB27}" type="datetime4">
               <a:rPr lang="en-US" smtClean="0"/>
               <a:pPr/>
-              <a:t>March 14, 2018</a:t>
+              <a:t>March 22, 2018</a:t>
             </a:fld>
             <a:endParaRPr lang="en-US" dirty="0"/>
           </a:p>
@@ -17480,7 +17492,7 @@
             <a:fld id="{05A93482-8E69-40F7-BCAD-5662A6CADB27}" type="datetime4">
               <a:rPr lang="en-US" smtClean="0"/>
               <a:pPr/>
-              <a:t>March 14, 2018</a:t>
+              <a:t>March 22, 2018</a:t>
             </a:fld>
             <a:endParaRPr lang="en-US" dirty="0"/>
           </a:p>
@@ -17816,7 +17828,7 @@
             <a:fld id="{05A93482-8E69-40F7-BCAD-5662A6CADB27}" type="datetime4">
               <a:rPr lang="en-US" smtClean="0"/>
               <a:pPr/>
-              <a:t>March 14, 2018</a:t>
+              <a:t>March 22, 2018</a:t>
             </a:fld>
             <a:endParaRPr lang="en-US" dirty="0"/>
           </a:p>
@@ -17994,7 +18006,7 @@
             <a:fld id="{05A93482-8E69-40F7-BCAD-5662A6CADB27}" type="datetime4">
               <a:rPr lang="en-US" smtClean="0"/>
               <a:pPr/>
-              <a:t>March 14, 2018</a:t>
+              <a:t>March 22, 2018</a:t>
             </a:fld>
             <a:endParaRPr lang="en-US" dirty="0"/>
           </a:p>
@@ -18285,7 +18297,7 @@
             <a:fld id="{05A93482-8E69-40F7-BCAD-5662A6CADB27}" type="datetime4">
               <a:rPr lang="en-US" smtClean="0"/>
               <a:pPr/>
-              <a:t>March 14, 2018</a:t>
+              <a:t>March 22, 2018</a:t>
             </a:fld>
             <a:endParaRPr lang="en-US" dirty="0"/>
           </a:p>
@@ -18513,7 +18525,7 @@
             <a:fld id="{05A93482-8E69-40F7-BCAD-5662A6CADB27}" type="datetime4">
               <a:rPr lang="en-US" smtClean="0"/>
               <a:pPr/>
-              <a:t>March 14, 2018</a:t>
+              <a:t>March 22, 2018</a:t>
             </a:fld>
             <a:endParaRPr lang="en-US" dirty="0"/>
           </a:p>
